--- a/workdoc/framework/BringupFramework.pptx
+++ b/workdoc/framework/BringupFramework.pptx
@@ -5,10 +5,10 @@
     <p:sldMasterId id="2147483648" r:id="rId1"/>
   </p:sldMasterIdLst>
   <p:notesMasterIdLst>
-    <p:notesMasterId r:id="rId16"/>
+    <p:notesMasterId r:id="rId17"/>
   </p:notesMasterIdLst>
   <p:handoutMasterIdLst>
-    <p:handoutMasterId r:id="rId17"/>
+    <p:handoutMasterId r:id="rId18"/>
   </p:handoutMasterIdLst>
   <p:sldIdLst>
     <p:sldId id="267" r:id="rId3"/>
@@ -24,6 +24,7 @@
     <p:sldId id="264" r:id="rId13"/>
     <p:sldId id="265" r:id="rId14"/>
     <p:sldId id="266" r:id="rId15"/>
+    <p:sldId id="280" r:id="rId16"/>
   </p:sldIdLst>
   <p:sldSz cx="12192000" cy="6858000"/>
   <p:notesSz cx="7103745" cy="10234295"/>
@@ -6386,6 +6387,24 @@
           </a:p>
         </p:txBody>
       </p:sp>
+    </p:spTree>
+  </p:cSld>
+  <p:clrMapOvr>
+    <a:masterClrMapping/>
+  </p:clrMapOvr>
+</p:sld>
+</file>
+
+<file path=ppt/slides/slide14.xml><?xml version="1.0" encoding="utf-8"?>
+<p:sld xmlns:a="http://schemas.openxmlformats.org/drawingml/2006/main" xmlns:r="http://schemas.openxmlformats.org/officeDocument/2006/relationships" xmlns:p="http://schemas.openxmlformats.org/presentationml/2006/main">
+  <p:cSld>
+    <p:spTree>
+      <p:nvGrpSpPr>
+        <p:cNvPr id="1" name=""/>
+        <p:cNvGrpSpPr/>
+        <p:nvPr/>
+      </p:nvGrpSpPr>
+      <p:grpSpPr/>
     </p:spTree>
   </p:cSld>
   <p:clrMapOvr>
